--- a/Specification/Bingo Presentation.pptx
+++ b/Specification/Bingo Presentation.pptx
@@ -2432,7 +2432,7 @@
         <p:spPr>
           <a:xfrm>
             <a:off x="1270000" y="1790700"/>
-            <a:ext cx="10464800" cy="3302001"/>
+            <a:ext cx="10464800" cy="3302000"/>
           </a:xfrm>
           <a:prstGeom prst="rect">
             <a:avLst/>
@@ -2463,7 +2463,7 @@
         <p:spPr>
           <a:xfrm>
             <a:off x="1270000" y="5425440"/>
-            <a:ext cx="10464800" cy="2856111"/>
+            <a:ext cx="10464800" cy="2856112"/>
           </a:xfrm>
           <a:prstGeom prst="rect">
             <a:avLst/>
@@ -3267,7 +3267,7 @@
         </p:nvSpPr>
         <p:spPr>
           <a:xfrm>
-            <a:off x="2082365" y="6336914"/>
+            <a:off x="2082365" y="6336913"/>
             <a:ext cx="3074270" cy="622301"/>
           </a:xfrm>
           <a:prstGeom prst="rect">
@@ -3472,8 +3472,8 @@
         </p:nvSpPr>
         <p:spPr>
           <a:xfrm>
-            <a:off x="353080" y="3285489"/>
-            <a:ext cx="5242620" cy="622301"/>
+            <a:off x="353080" y="3285490"/>
+            <a:ext cx="5242621" cy="622301"/>
           </a:xfrm>
           <a:prstGeom prst="rect">
             <a:avLst/>
@@ -3621,8 +3621,8 @@
         </p:nvSpPr>
         <p:spPr>
           <a:xfrm>
-            <a:off x="952500" y="3467099"/>
-            <a:ext cx="5334001" cy="4267201"/>
+            <a:off x="952500" y="3467100"/>
+            <a:ext cx="5334000" cy="4267200"/>
           </a:xfrm>
           <a:prstGeom prst="rect">
             <a:avLst/>
@@ -3670,8 +3670,8 @@
         </p:nvGrpSpPr>
         <p:grpSpPr>
           <a:xfrm>
-            <a:off x="7621676" y="2881765"/>
-            <a:ext cx="4238448" cy="3305836"/>
+            <a:off x="7621676" y="2881764"/>
+            <a:ext cx="4238448" cy="3305837"/>
             <a:chOff x="-203200" y="-215900"/>
             <a:chExt cx="4238447" cy="3305835"/>
           </a:xfrm>
@@ -3914,8 +3914,8 @@
         </p:nvSpPr>
         <p:spPr>
           <a:xfrm>
-            <a:off x="952499" y="2705100"/>
-            <a:ext cx="5334001" cy="2739787"/>
+            <a:off x="952500" y="2705100"/>
+            <a:ext cx="5334000" cy="2739787"/>
           </a:xfrm>
           <a:prstGeom prst="rect">
             <a:avLst/>
@@ -4292,7 +4292,7 @@
         <p:spPr>
           <a:xfrm>
             <a:off x="4836137" y="6277014"/>
-            <a:ext cx="1253580" cy="444501"/>
+            <a:ext cx="1253581" cy="444501"/>
           </a:xfrm>
           <a:prstGeom prst="rect">
             <a:avLst/>
@@ -4399,7 +4399,7 @@
         </p:blipFill>
         <p:spPr>
           <a:xfrm>
-            <a:off x="10912122" y="8752919"/>
+            <a:off x="10912123" y="8752919"/>
             <a:ext cx="838201" cy="762001"/>
           </a:xfrm>
           <a:prstGeom prst="rect">
@@ -4527,7 +4527,7 @@
         <p:spPr>
           <a:xfrm>
             <a:off x="10405836" y="7578764"/>
-            <a:ext cx="873622" cy="444501"/>
+            <a:ext cx="873623" cy="444501"/>
           </a:xfrm>
           <a:prstGeom prst="rect">
             <a:avLst/>
@@ -4634,7 +4634,7 @@
         <p:spPr>
           <a:xfrm>
             <a:off x="6718300" y="2905224"/>
-            <a:ext cx="5334001" cy="2739788"/>
+            <a:ext cx="5334000" cy="2739788"/>
           </a:xfrm>
           <a:prstGeom prst="rect">
             <a:avLst/>
@@ -4672,8 +4672,8 @@
         </p:nvSpPr>
         <p:spPr>
           <a:xfrm>
-            <a:off x="753221" y="2604769"/>
-            <a:ext cx="4880969" cy="622301"/>
+            <a:off x="753222" y="2604769"/>
+            <a:ext cx="4880968" cy="622301"/>
           </a:xfrm>
           <a:prstGeom prst="rect">
             <a:avLst/>
@@ -4803,7 +4803,7 @@
         </p:blipFill>
         <p:spPr>
           <a:xfrm>
-            <a:off x="6817340" y="7118826"/>
+            <a:off x="6817340" y="7118825"/>
             <a:ext cx="2540001" cy="927101"/>
           </a:xfrm>
           <a:prstGeom prst="rect">
@@ -4857,7 +4857,7 @@
         </p:blipFill>
         <p:spPr>
           <a:xfrm>
-            <a:off x="9790350" y="7707749"/>
+            <a:off x="9790350" y="7707748"/>
             <a:ext cx="2540001" cy="1270001"/>
           </a:xfrm>
           <a:prstGeom prst="rect">
@@ -4911,7 +4911,7 @@
         </p:blipFill>
         <p:spPr>
           <a:xfrm>
-            <a:off x="4151173" y="7118826"/>
+            <a:off x="4151173" y="7118825"/>
             <a:ext cx="2540001" cy="889001"/>
           </a:xfrm>
           <a:prstGeom prst="rect">
@@ -4992,7 +4992,7 @@
         </p:blipFill>
         <p:spPr>
           <a:xfrm>
-            <a:off x="5170593" y="4008417"/>
+            <a:off x="5170592" y="4008417"/>
             <a:ext cx="838201" cy="812801"/>
           </a:xfrm>
           <a:prstGeom prst="rect">
@@ -5887,7 +5887,7 @@
           <p:nvPr/>
         </p:nvSpPr>
         <p:spPr>
-          <a:xfrm rot="5412326">
+          <a:xfrm rot="5412327">
             <a:off x="6033616" y="5282567"/>
             <a:ext cx="937699" cy="709001"/>
           </a:xfrm>
@@ -5941,8 +5941,8 @@
         </p:blipFill>
         <p:spPr>
           <a:xfrm>
-            <a:off x="958029" y="6550024"/>
-            <a:ext cx="1654561" cy="2159001"/>
+            <a:off x="958029" y="6550025"/>
+            <a:ext cx="1654561" cy="2159000"/>
           </a:xfrm>
           <a:prstGeom prst="rect">
             <a:avLst/>
@@ -6050,8 +6050,8 @@
         </p:nvSpPr>
         <p:spPr>
           <a:xfrm rot="21578167">
-            <a:off x="9086696" y="6066101"/>
-            <a:ext cx="937699" cy="709000"/>
+            <a:off x="9086697" y="6066101"/>
+            <a:ext cx="937698" cy="709000"/>
           </a:xfrm>
           <a:prstGeom prst="rightArrow">
             <a:avLst>
@@ -6103,8 +6103,8 @@
         </p:blipFill>
         <p:spPr>
           <a:xfrm>
-            <a:off x="10121582" y="4229338"/>
-            <a:ext cx="2157331" cy="2815052"/>
+            <a:off x="10121582" y="4229337"/>
+            <a:ext cx="2157330" cy="2815053"/>
           </a:xfrm>
           <a:prstGeom prst="rect">
             <a:avLst/>
@@ -6123,7 +6123,7 @@
         <p:spPr>
           <a:xfrm rot="10787560">
             <a:off x="8842856" y="4247793"/>
-            <a:ext cx="1190676" cy="717581"/>
+            <a:ext cx="1190676" cy="717580"/>
           </a:xfrm>
           <a:prstGeom prst="rightArrow">
             <a:avLst>
@@ -6167,7 +6167,7 @@
         </p:nvSpPr>
         <p:spPr>
           <a:xfrm>
-            <a:off x="10960596" y="3381236"/>
+            <a:off x="10960596" y="3381237"/>
             <a:ext cx="479302" cy="622301"/>
           </a:xfrm>
           <a:prstGeom prst="rect">
@@ -6236,7 +6236,7 @@
           <a:xfrm>
             <a:off x="1912344" y="2255452"/>
             <a:ext cx="9180112" cy="7155579"/>
-            <a:chOff x="-203199" y="-215899"/>
+            <a:chOff x="-203200" y="-215900"/>
             <a:chExt cx="9180110" cy="7155577"/>
           </a:xfrm>
         </p:grpSpPr>
@@ -6431,7 +6431,7 @@
           <a:xfrm>
             <a:off x="1407007" y="236198"/>
             <a:ext cx="10190786" cy="9281204"/>
-            <a:chOff x="-203200" y="-215899"/>
+            <a:chOff x="-203200" y="-215900"/>
             <a:chExt cx="10190784" cy="9281203"/>
           </a:xfrm>
         </p:grpSpPr>
@@ -6663,7 +6663,7 @@
         <p:spPr>
           <a:xfrm rot="2812566">
             <a:off x="1246862" y="1514832"/>
-            <a:ext cx="698779" cy="387628"/>
+            <a:ext cx="698778" cy="387628"/>
           </a:xfrm>
           <a:prstGeom prst="rightArrow">
             <a:avLst>
@@ -6708,7 +6708,7 @@
         </p:nvSpPr>
         <p:spPr>
           <a:xfrm>
-            <a:off x="5067638" y="525780"/>
+            <a:off x="5067637" y="525780"/>
             <a:ext cx="2442805" cy="495301"/>
           </a:xfrm>
           <a:prstGeom prst="rect">
@@ -6757,7 +6757,7 @@
           <p:nvPr/>
         </p:nvSpPr>
         <p:spPr>
-          <a:xfrm rot="5380097">
+          <a:xfrm rot="5380096">
             <a:off x="5939282" y="1184632"/>
             <a:ext cx="698779" cy="387628"/>
           </a:xfrm>
@@ -6804,8 +6804,8 @@
         </p:nvSpPr>
         <p:spPr>
           <a:xfrm>
-            <a:off x="11249998" y="2091690"/>
-            <a:ext cx="1727953" cy="889001"/>
+            <a:off x="11249998" y="2091689"/>
+            <a:ext cx="1727954" cy="889001"/>
           </a:xfrm>
           <a:prstGeom prst="rect">
             <a:avLst/>
@@ -7009,7 +7009,7 @@
         <p:spPr>
           <a:xfrm>
             <a:off x="11249998" y="4769326"/>
-            <a:ext cx="1727953" cy="685801"/>
+            <a:ext cx="1727954" cy="685801"/>
           </a:xfrm>
           <a:prstGeom prst="rect">
             <a:avLst/>
@@ -7058,8 +7058,8 @@
         </p:nvSpPr>
         <p:spPr>
           <a:xfrm rot="10778706">
-            <a:off x="10562082" y="4918017"/>
-            <a:ext cx="698779" cy="387629"/>
+            <a:off x="10562082" y="4918018"/>
+            <a:ext cx="698779" cy="387628"/>
           </a:xfrm>
           <a:prstGeom prst="rightArrow">
             <a:avLst>
@@ -7507,7 +7507,7 @@
         <p:grpSpPr>
           <a:xfrm>
             <a:off x="2082800" y="7710249"/>
-            <a:ext cx="8839201" cy="1066801"/>
+            <a:ext cx="8839200" cy="1066801"/>
             <a:chOff x="-215900" y="-139700"/>
             <a:chExt cx="8839200" cy="1066800"/>
           </a:xfrm>
@@ -7825,8 +7825,8 @@
         </p:nvSpPr>
         <p:spPr>
           <a:xfrm>
-            <a:off x="1389379" y="2603500"/>
-            <a:ext cx="6780135" cy="6286500"/>
+            <a:off x="1389380" y="2603500"/>
+            <a:ext cx="6780134" cy="6286500"/>
           </a:xfrm>
           <a:prstGeom prst="rect">
             <a:avLst/>
@@ -8307,8 +8307,8 @@
         </p:nvGrpSpPr>
         <p:grpSpPr>
           <a:xfrm>
-            <a:off x="457199" y="622300"/>
-            <a:ext cx="12090401" cy="8509000"/>
+            <a:off x="457200" y="622300"/>
+            <a:ext cx="12090400" cy="8509000"/>
             <a:chOff x="-203200" y="-215900"/>
             <a:chExt cx="12090400" cy="8509000"/>
           </a:xfrm>
@@ -8560,7 +8560,7 @@
         <p:grpSpPr>
           <a:xfrm>
             <a:off x="101600" y="964922"/>
-            <a:ext cx="12801601" cy="7975601"/>
+            <a:ext cx="12801600" cy="7975601"/>
             <a:chOff x="-203200" y="-215900"/>
             <a:chExt cx="12801600" cy="7975600"/>
           </a:xfrm>
@@ -8684,8 +8684,8 @@
         </p:nvSpPr>
         <p:spPr>
           <a:xfrm>
-            <a:off x="840740" y="2603500"/>
-            <a:ext cx="7656195" cy="6286500"/>
+            <a:off x="840739" y="2603500"/>
+            <a:ext cx="7656196" cy="6286500"/>
           </a:xfrm>
           <a:prstGeom prst="rect">
             <a:avLst/>
@@ -8884,23 +8884,54 @@
           <a:chExt cx="0" cy="0"/>
         </a:xfrm>
       </p:grpSpPr>
+      <p:sp>
+        <p:nvSpPr>
+          <p:cNvPr id="242" name="Shape 242"/>
+          <p:cNvSpPr/>
+          <p:nvPr>
+            <p:ph type="title" idx="4294967295"/>
+          </p:nvPr>
+        </p:nvSpPr>
+        <p:spPr>
+          <a:xfrm>
+            <a:off x="952500" y="-12700"/>
+            <a:ext cx="11099800" cy="2159000"/>
+          </a:xfrm>
+          <a:prstGeom prst="rect">
+            <a:avLst/>
+          </a:prstGeom>
+        </p:spPr>
+        <p:txBody>
+          <a:bodyPr/>
+          <a:lstStyle/>
+          <a:p>
+            <a:pPr lvl="0">
+              <a:defRPr sz="1800"/>
+            </a:pPr>
+            <a:r>
+              <a:rPr sz="8000"/>
+              <a:t>Class Diagram</a:t>
+            </a:r>
+          </a:p>
+        </p:txBody>
+      </p:sp>
       <p:grpSp>
         <p:nvGrpSpPr>
-          <p:cNvPr id="244" name="Group 244"/>
+          <p:cNvPr id="245" name="Group 245"/>
           <p:cNvGrpSpPr/>
           <p:nvPr/>
         </p:nvGrpSpPr>
         <p:grpSpPr>
           <a:xfrm>
-            <a:off x="183762" y="1731248"/>
-            <a:ext cx="12637276" cy="7507204"/>
+            <a:off x="-59533" y="1651818"/>
+            <a:ext cx="13123866" cy="7474950"/>
             <a:chOff x="-203200" y="-215900"/>
-            <a:chExt cx="12637275" cy="7507203"/>
+            <a:chExt cx="13123865" cy="7474948"/>
           </a:xfrm>
         </p:grpSpPr>
         <p:pic>
           <p:nvPicPr>
-            <p:cNvPr id="243" name="Screen Shot 2014-06-07 at 01.44.53 .png"/>
+            <p:cNvPr id="244" name="Screen Shot 2014-06-07 at 08.12.13 .png"/>
             <p:cNvPicPr/>
             <p:nvPr/>
           </p:nvPicPr>
@@ -8915,7 +8946,7 @@
           <p:spPr>
             <a:xfrm>
               <a:off x="0" y="0"/>
-              <a:ext cx="12230876" cy="7075404"/>
+              <a:ext cx="12717466" cy="7043149"/>
             </a:xfrm>
             <a:prstGeom prst="rect">
               <a:avLst/>
@@ -8928,7 +8959,7 @@
         </p:pic>
         <p:pic>
           <p:nvPicPr>
-            <p:cNvPr id="242" name=""/>
+            <p:cNvPr id="243" name=""/>
             <p:cNvPicPr/>
             <p:nvPr/>
           </p:nvPicPr>
@@ -8943,7 +8974,7 @@
           <p:spPr>
             <a:xfrm>
               <a:off x="-203200" y="-215900"/>
-              <a:ext cx="12637276" cy="7507204"/>
+              <a:ext cx="13123866" cy="7474949"/>
             </a:xfrm>
             <a:prstGeom prst="rect">
               <a:avLst/>
@@ -8952,37 +8983,6 @@
           </p:spPr>
         </p:pic>
       </p:grpSp>
-      <p:sp>
-        <p:nvSpPr>
-          <p:cNvPr id="245" name="Shape 245"/>
-          <p:cNvSpPr/>
-          <p:nvPr>
-            <p:ph type="title" idx="4294967295"/>
-          </p:nvPr>
-        </p:nvSpPr>
-        <p:spPr>
-          <a:xfrm>
-            <a:off x="952499" y="-12701"/>
-            <a:ext cx="11099801" cy="2159001"/>
-          </a:xfrm>
-          <a:prstGeom prst="rect">
-            <a:avLst/>
-          </a:prstGeom>
-        </p:spPr>
-        <p:txBody>
-          <a:bodyPr/>
-          <a:lstStyle/>
-          <a:p>
-            <a:pPr lvl="0">
-              <a:defRPr sz="1800"/>
-            </a:pPr>
-            <a:r>
-              <a:rPr sz="8000"/>
-              <a:t>Class Diagram</a:t>
-            </a:r>
-          </a:p>
-        </p:txBody>
-      </p:sp>
     </p:spTree>
   </p:cSld>
   <p:clrMapOvr>
@@ -9221,7 +9221,7 @@
         <p:spPr>
           <a:xfrm>
             <a:off x="1624945" y="2470150"/>
-            <a:ext cx="3923070" cy="6286501"/>
+            <a:ext cx="3923070" cy="6286500"/>
           </a:xfrm>
           <a:prstGeom prst="rect">
             <a:avLst/>
@@ -9330,8 +9330,8 @@
         </p:nvGrpSpPr>
         <p:grpSpPr>
           <a:xfrm>
-            <a:off x="6829405" y="2330450"/>
-            <a:ext cx="4354870" cy="6845301"/>
+            <a:off x="6829404" y="2330450"/>
+            <a:ext cx="4354871" cy="6845300"/>
             <a:chOff x="-215900" y="-139700"/>
             <a:chExt cx="4354869" cy="6845300"/>
           </a:xfrm>
@@ -9692,8 +9692,8 @@
         </p:nvSpPr>
         <p:spPr>
           <a:xfrm>
-            <a:off x="3836610" y="2654299"/>
-            <a:ext cx="5331580" cy="6286501"/>
+            <a:off x="3836610" y="2654300"/>
+            <a:ext cx="5331580" cy="6286500"/>
           </a:xfrm>
           <a:prstGeom prst="rect">
             <a:avLst/>

--- a/Specification/Bingo Presentation.pptx
+++ b/Specification/Bingo Presentation.pptx
@@ -8924,7 +8924,7 @@
         <p:grpSpPr>
           <a:xfrm>
             <a:off x="-59533" y="1651818"/>
-            <a:ext cx="13123866" cy="7474950"/>
+            <a:ext cx="13123866" cy="7474949"/>
             <a:chOff x="-203200" y="-215900"/>
             <a:chExt cx="13123865" cy="7474948"/>
           </a:xfrm>
@@ -9053,106 +9053,93 @@
           <a:bodyPr/>
           <a:lstStyle/>
           <a:p>
-            <a:pPr lvl="0" marL="302260" indent="-302260" defTabSz="397256">
+            <a:pPr lvl="0" marL="346709" indent="-346709" defTabSz="455675">
               <a:spcBef>
-                <a:spcPts val="2800"/>
+                <a:spcPts val="3200"/>
               </a:spcBef>
               <a:defRPr sz="1800"/>
             </a:pPr>
             <a:r>
-              <a:rPr sz="2448"/>
+              <a:rPr sz="2807"/>
               <a:t>Implement Historical Winnings Chart</a:t>
             </a:r>
-            <a:endParaRPr sz="2448"/>
-          </a:p>
-          <a:p>
-            <a:pPr lvl="0" marL="302260" indent="-302260" defTabSz="397256">
+            <a:endParaRPr sz="2807"/>
+          </a:p>
+          <a:p>
+            <a:pPr lvl="0" marL="346709" indent="-346709" defTabSz="455675">
               <a:spcBef>
-                <a:spcPts val="2800"/>
+                <a:spcPts val="3200"/>
               </a:spcBef>
               <a:defRPr sz="1800"/>
             </a:pPr>
             <a:r>
-              <a:rPr sz="2448"/>
+              <a:rPr sz="2807"/>
               <a:t>Allow shop to have random chance of sale</a:t>
             </a:r>
-            <a:endParaRPr sz="2448"/>
-          </a:p>
-          <a:p>
-            <a:pPr lvl="0" marL="302260" indent="-302260" defTabSz="397256">
+            <a:endParaRPr sz="2807"/>
+          </a:p>
+          <a:p>
+            <a:pPr lvl="0" marL="346709" indent="-346709" defTabSz="455675">
               <a:spcBef>
-                <a:spcPts val="2800"/>
+                <a:spcPts val="3200"/>
               </a:spcBef>
               <a:defRPr sz="1800"/>
             </a:pPr>
             <a:r>
-              <a:rPr sz="2448"/>
+              <a:rPr sz="2807"/>
               <a:t>Allow random chance of pre-marked “free” cells</a:t>
             </a:r>
-            <a:endParaRPr sz="2448"/>
-          </a:p>
-          <a:p>
-            <a:pPr lvl="0" marL="302260" indent="-302260" defTabSz="397256">
+            <a:endParaRPr sz="2807"/>
+          </a:p>
+          <a:p>
+            <a:pPr lvl="0" marL="346709" indent="-346709" defTabSz="455675">
               <a:spcBef>
-                <a:spcPts val="2800"/>
+                <a:spcPts val="3200"/>
               </a:spcBef>
               <a:defRPr sz="1800"/>
             </a:pPr>
             <a:r>
-              <a:rPr sz="2448"/>
+              <a:rPr sz="2807"/>
               <a:t>Grayscale or muted Call Button for when PlayerCard is won or frozen</a:t>
             </a:r>
-            <a:endParaRPr sz="2448"/>
-          </a:p>
-          <a:p>
-            <a:pPr lvl="0" marL="302260" indent="-302260" defTabSz="397256">
+            <a:endParaRPr sz="2807"/>
+          </a:p>
+          <a:p>
+            <a:pPr lvl="0" marL="346709" indent="-346709" defTabSz="455675">
               <a:spcBef>
-                <a:spcPts val="2800"/>
+                <a:spcPts val="3200"/>
               </a:spcBef>
               <a:defRPr sz="1800"/>
             </a:pPr>
             <a:r>
-              <a:rPr sz="2448"/>
+              <a:rPr sz="2807"/>
               <a:t>Fade out music in shutdown hook</a:t>
             </a:r>
-            <a:endParaRPr sz="2448"/>
-          </a:p>
-          <a:p>
-            <a:pPr lvl="0" marL="302260" indent="-302260" defTabSz="397256">
+            <a:endParaRPr sz="2807"/>
+          </a:p>
+          <a:p>
+            <a:pPr lvl="0" marL="346709" indent="-346709" defTabSz="455675">
               <a:spcBef>
-                <a:spcPts val="2800"/>
+                <a:spcPts val="3200"/>
               </a:spcBef>
               <a:defRPr sz="1800"/>
             </a:pPr>
             <a:r>
-              <a:rPr sz="2448"/>
+              <a:rPr sz="2807"/>
               <a:t>Let PlayerCards earn multiple Bingos if multiple patterns exist when called</a:t>
             </a:r>
-            <a:endParaRPr sz="2448"/>
-          </a:p>
-          <a:p>
-            <a:pPr lvl="0" marL="302260" indent="-302260" defTabSz="397256">
+            <a:endParaRPr sz="2807"/>
+          </a:p>
+          <a:p>
+            <a:pPr lvl="0" marL="346709" indent="-346709" defTabSz="455675">
               <a:spcBef>
-                <a:spcPts val="2800"/>
+                <a:spcPts val="3200"/>
               </a:spcBef>
               <a:defRPr sz="1800"/>
             </a:pPr>
             <a:r>
-              <a:rPr sz="2448"/>
+              <a:rPr sz="2807"/>
               <a:t>Add white stroke around numbers text</a:t>
-            </a:r>
-            <a:endParaRPr sz="2448"/>
-          </a:p>
-          <a:p>
-            <a:pPr lvl="0" marL="302260" indent="-302260" defTabSz="397256">
-              <a:spcBef>
-                <a:spcPts val="2800"/>
-              </a:spcBef>
-              <a:defRPr sz="1800"/>
-            </a:pPr>
-            <a:r>
-              <a:rPr sz="2448"/>
-              <a:t>Complete UML with relationships and associations</a:t>
             </a:r>
           </a:p>
         </p:txBody>
